--- a/Trabalho Prático 1 - TDV.pptx
+++ b/Trabalho Prático 1 - TDV.pptx
@@ -263,7 +263,7 @@
           <a:p>
             <a:fld id="{E639D968-449F-435B-9B05-4F6B8240BDFD}" type="datetime1">
               <a:rPr lang="pt-PT" smtClean="0"/>
-              <a:t>08/05/2023</a:t>
+              <a:t>09/05/2023</a:t>
             </a:fld>
             <a:endParaRPr lang="pt-PT" dirty="0"/>
           </a:p>
@@ -442,7 +442,7 @@
             <a:fld id="{49D104F6-998E-4064-8B6A-1A19E1984B04}" type="datetime1">
               <a:rPr lang="pt-PT" noProof="0" smtClean="0"/>
               <a:pPr/>
-              <a:t>08/05/2023</a:t>
+              <a:t>09/05/2023</a:t>
             </a:fld>
             <a:endParaRPr lang="pt-PT" noProof="0" dirty="0"/>
           </a:p>
@@ -13563,9 +13563,10 @@
           <a:p>
             <a:pPr rtl="0"/>
             <a:r>
-              <a:rPr lang="pt-PT" sz="5200" dirty="0"/>
+              <a:rPr lang="pt-PT" sz="5200"/>
               <a:t>Trabalho Prático 1 - TDV</a:t>
             </a:r>
+            <a:endParaRPr lang="pt-PT" sz="5200" dirty="0"/>
           </a:p>
         </p:txBody>
       </p:sp>
@@ -13601,7 +13602,7 @@
           <a:p>
             <a:pPr algn="l"/>
             <a:r>
-              <a:rPr lang="pt-PT" b="0" i="0" dirty="0">
+              <a:rPr lang="pt-PT" b="0" i="0">
                 <a:solidFill>
                   <a:srgbClr val="1F2328"/>
                 </a:solidFill>
@@ -13614,7 +13615,7 @@
           <a:p>
             <a:pPr algn="l"/>
             <a:r>
-              <a:rPr lang="pt-PT" b="0" i="0" dirty="0">
+              <a:rPr lang="pt-PT" b="0" i="0">
                 <a:solidFill>
                   <a:srgbClr val="1F2328"/>
                 </a:solidFill>
@@ -13627,7 +13628,7 @@
           <a:p>
             <a:pPr algn="l"/>
             <a:r>
-              <a:rPr lang="pt-PT" b="0" i="0" dirty="0">
+              <a:rPr lang="pt-PT" b="0" i="0">
                 <a:solidFill>
                   <a:srgbClr val="1F2328"/>
                 </a:solidFill>
@@ -13643,24 +13644,31 @@
           </a:p>
         </p:txBody>
       </p:sp>
-      <p:sp>
-        <p:nvSpPr>
-          <p:cNvPr id="3" name="Marcador de Posição da Imagem 2">
-            <a:extLst>
-              <a:ext uri="{FF2B5EF4-FFF2-40B4-BE49-F238E27FC236}">
-                <a16:creationId xmlns:a16="http://schemas.microsoft.com/office/drawing/2014/main" id="{7FED022C-72C9-C31F-37A0-98D89BC62C31}"/>
-              </a:ext>
-            </a:extLst>
-          </p:cNvPr>
-          <p:cNvSpPr>
-            <a:spLocks noGrp="1"/>
-          </p:cNvSpPr>
+      <p:pic>
+        <p:nvPicPr>
+          <p:cNvPr id="12" name="Marcador de Posição da Imagem 11" descr="Uma imagem com texto&#10;&#10;Descrição gerada automaticamente">
+            <a:extLst>
+              <a:ext uri="{FF2B5EF4-FFF2-40B4-BE49-F238E27FC236}">
+                <a16:creationId xmlns:a16="http://schemas.microsoft.com/office/drawing/2014/main" id="{764913C0-DD93-51B6-F0BE-7B55B7A304A5}"/>
+              </a:ext>
+            </a:extLst>
+          </p:cNvPr>
+          <p:cNvPicPr>
+            <a:picLocks noGrp="1" noChangeAspect="1"/>
+          </p:cNvPicPr>
           <p:nvPr>
             <p:ph type="pic" sz="quarter" idx="10"/>
           </p:nvPr>
-        </p:nvSpPr>
+        </p:nvPicPr>
+        <p:blipFill>
+          <a:blip r:embed="rId3"/>
+          <a:srcRect l="26737" r="26737"/>
+          <a:stretch>
+            <a:fillRect/>
+          </a:stretch>
+        </p:blipFill>
         <p:spPr/>
-      </p:sp>
+      </p:pic>
     </p:spTree>
     <p:extLst>
       <p:ext uri="{BB962C8B-B14F-4D97-AF65-F5344CB8AC3E}">
@@ -13671,6 +13679,18 @@
   <p:clrMapOvr>
     <a:masterClrMapping/>
   </p:clrMapOvr>
+  <mc:AlternateContent xmlns:mc="http://schemas.openxmlformats.org/markup-compatibility/2006">
+    <mc:Choice xmlns:p14="http://schemas.microsoft.com/office/powerpoint/2010/main" Requires="p14">
+      <p:transition spd="slow" p14:dur="1500">
+        <p:random/>
+      </p:transition>
+    </mc:Choice>
+    <mc:Fallback>
+      <p:transition spd="slow">
+        <p:random/>
+      </p:transition>
+    </mc:Fallback>
+  </mc:AlternateContent>
 </p:sld>
 </file>
 
@@ -14114,6 +14134,18 @@
   <p:clrMapOvr>
     <a:masterClrMapping/>
   </p:clrMapOvr>
+  <mc:AlternateContent xmlns:mc="http://schemas.openxmlformats.org/markup-compatibility/2006">
+    <mc:Choice xmlns:p14="http://schemas.microsoft.com/office/powerpoint/2010/main" Requires="p14">
+      <p:transition spd="slow" p14:dur="1500">
+        <p:random/>
+      </p:transition>
+    </mc:Choice>
+    <mc:Fallback>
+      <p:transition spd="slow">
+        <p:random/>
+      </p:transition>
+    </mc:Fallback>
+  </mc:AlternateContent>
 </p:sld>
 </file>
 
@@ -14161,11 +14193,11 @@
           <a:p>
             <a:pPr rtl="0"/>
             <a:r>
-              <a:rPr lang="pt-PT" dirty="0"/>
+              <a:rPr lang="pt-PT"/>
               <a:t>Introdução</a:t>
             </a:r>
             <a:br>
-              <a:rPr lang="pt-PT" dirty="0">
+              <a:rPr lang="pt-PT">
                 <a:sym typeface="DM Sans Medium"/>
               </a:rPr>
             </a:br>
@@ -14200,15 +14232,15 @@
           <a:p>
             <a:pPr marL="53975" indent="219075" rtl="0"/>
             <a:r>
-              <a:rPr lang="pt-PT" dirty="0"/>
+              <a:rPr lang="pt-PT"/>
               <a:t> No âmbito da disciplina este projeto tem como objetivo o estudo e a análise de um jogo desenvolvido em monogame.</a:t>
             </a:r>
           </a:p>
           <a:p>
             <a:pPr marL="53975" indent="219075" rtl="0"/>
             <a:r>
-              <a:rPr lang="pt-PT" dirty="0"/>
-              <a:t>O jogo escolhido para este projeto chama-se “Jogo-Saitama”.</a:t>
+              <a:rPr lang="pt-PT"/>
+              <a:t>O jogo escolhido para este projeto chama-se “Saitama”.</a:t>
             </a:r>
           </a:p>
           <a:p>
@@ -14257,24 +14289,34 @@
           </a:p>
         </p:txBody>
       </p:sp>
-      <p:sp>
-        <p:nvSpPr>
-          <p:cNvPr id="5" name="Marcador de Posição da Imagem 4">
-            <a:extLst>
-              <a:ext uri="{FF2B5EF4-FFF2-40B4-BE49-F238E27FC236}">
-                <a16:creationId xmlns:a16="http://schemas.microsoft.com/office/drawing/2014/main" id="{B4EDF18E-9746-ECAF-AEA7-257C1FF875C2}"/>
-              </a:ext>
-            </a:extLst>
-          </p:cNvPr>
-          <p:cNvSpPr>
-            <a:spLocks noGrp="1"/>
-          </p:cNvSpPr>
+      <p:pic>
+        <p:nvPicPr>
+          <p:cNvPr id="13" name="Marcador de Posição da Imagem 12" descr="Uma imagem com alinhado, motor, vários&#10;&#10;Descrição gerada automaticamente">
+            <a:extLst>
+              <a:ext uri="{FF2B5EF4-FFF2-40B4-BE49-F238E27FC236}">
+                <a16:creationId xmlns:a16="http://schemas.microsoft.com/office/drawing/2014/main" id="{3E45EE5B-1766-046D-BCA6-9405D2FEC610}"/>
+              </a:ext>
+            </a:extLst>
+          </p:cNvPr>
+          <p:cNvPicPr>
+            <a:picLocks noGrp="1" noChangeAspect="1"/>
+          </p:cNvPicPr>
           <p:nvPr>
             <p:ph type="pic" sz="quarter" idx="13"/>
           </p:nvPr>
-        </p:nvSpPr>
-        <p:spPr/>
-      </p:sp>
+        </p:nvPicPr>
+        <p:blipFill rotWithShape="1">
+          <a:blip r:embed="rId3"/>
+          <a:srcRect l="59455" t="3" r="6818" b="265"/>
+          <a:stretch/>
+        </p:blipFill>
+        <p:spPr>
+          <a:xfrm>
+            <a:off x="8296656" y="0"/>
+            <a:ext cx="3895344" cy="6840000"/>
+          </a:xfrm>
+        </p:spPr>
+      </p:pic>
     </p:spTree>
     <p:extLst>
       <p:ext uri="{BB962C8B-B14F-4D97-AF65-F5344CB8AC3E}">
@@ -14285,6 +14327,18 @@
   <p:clrMapOvr>
     <a:masterClrMapping/>
   </p:clrMapOvr>
+  <mc:AlternateContent xmlns:mc="http://schemas.openxmlformats.org/markup-compatibility/2006">
+    <mc:Choice xmlns:p14="http://schemas.microsoft.com/office/powerpoint/2010/main" Requires="p14">
+      <p:transition spd="slow" p14:dur="1500">
+        <p:random/>
+      </p:transition>
+    </mc:Choice>
+    <mc:Fallback>
+      <p:transition spd="slow">
+        <p:random/>
+      </p:transition>
+    </mc:Fallback>
+  </mc:AlternateContent>
 </p:sld>
 </file>
 
@@ -14354,67 +14408,115 @@
           <a:bodyPr/>
           <a:lstStyle/>
           <a:p>
-            <a:endParaRPr lang="pt-PT" dirty="0"/>
-          </a:p>
-        </p:txBody>
-      </p:sp>
-      <p:sp>
-        <p:nvSpPr>
-          <p:cNvPr id="4" name="Marcador de Posição da Imagem 3">
-            <a:extLst>
-              <a:ext uri="{FF2B5EF4-FFF2-40B4-BE49-F238E27FC236}">
-                <a16:creationId xmlns:a16="http://schemas.microsoft.com/office/drawing/2014/main" id="{CB96CA2D-5BB6-316A-5A38-FD4BA4F3413A}"/>
-              </a:ext>
-            </a:extLst>
-          </p:cNvPr>
-          <p:cNvSpPr>
-            <a:spLocks noGrp="1"/>
-          </p:cNvSpPr>
+            <a:r>
+              <a:rPr lang="pt-PT" dirty="0"/>
+              <a:t>Program</a:t>
+            </a:r>
+          </a:p>
+        </p:txBody>
+      </p:sp>
+      <p:pic>
+        <p:nvPicPr>
+          <p:cNvPr id="28" name="Marcador de Posição da Imagem 27" descr="Uma imagem com texto, captura de ecrã, cobertura&#10;&#10;Descrição gerada automaticamente">
+            <a:extLst>
+              <a:ext uri="{FF2B5EF4-FFF2-40B4-BE49-F238E27FC236}">
+                <a16:creationId xmlns:a16="http://schemas.microsoft.com/office/drawing/2014/main" id="{86DAF492-2586-3EA2-2309-FAC85848068D}"/>
+              </a:ext>
+            </a:extLst>
+          </p:cNvPr>
+          <p:cNvPicPr>
+            <a:picLocks noGrp="1" noChangeAspect="1"/>
+          </p:cNvPicPr>
           <p:nvPr>
             <p:ph type="pic" sz="quarter" idx="13"/>
           </p:nvPr>
-        </p:nvSpPr>
+        </p:nvPicPr>
+        <p:blipFill>
+          <a:blip r:embed="rId2"/>
+          <a:srcRect t="13298" b="13298"/>
+          <a:stretch>
+            <a:fillRect/>
+          </a:stretch>
+        </p:blipFill>
         <p:spPr/>
-      </p:sp>
-      <p:sp>
-        <p:nvSpPr>
-          <p:cNvPr id="5" name="Marcador de Posição do Texto 4">
-            <a:extLst>
-              <a:ext uri="{FF2B5EF4-FFF2-40B4-BE49-F238E27FC236}">
-                <a16:creationId xmlns:a16="http://schemas.microsoft.com/office/drawing/2014/main" id="{582E0DA0-F07A-4403-D6CA-304EC2E3D5C9}"/>
-              </a:ext>
-            </a:extLst>
-          </p:cNvPr>
-          <p:cNvSpPr>
-            <a:spLocks noGrp="1"/>
-          </p:cNvSpPr>
-          <p:nvPr>
-            <p:ph type="body" sz="quarter" idx="15"/>
-          </p:nvPr>
-        </p:nvSpPr>
-        <p:spPr/>
+      </p:pic>
+      <p:sp>
+        <p:nvSpPr>
+          <p:cNvPr id="6" name="Marcador de Posição do Texto 5">
+            <a:extLst>
+              <a:ext uri="{FF2B5EF4-FFF2-40B4-BE49-F238E27FC236}">
+                <a16:creationId xmlns:a16="http://schemas.microsoft.com/office/drawing/2014/main" id="{6E5D0BEC-FA4E-70F3-EF95-B32A07C2ADD6}"/>
+              </a:ext>
+            </a:extLst>
+          </p:cNvPr>
+          <p:cNvSpPr>
+            <a:spLocks noGrp="1"/>
+          </p:cNvSpPr>
+          <p:nvPr>
+            <p:ph type="body" sz="quarter" idx="25"/>
+          </p:nvPr>
+        </p:nvSpPr>
+        <p:spPr>
+          <a:xfrm>
+            <a:off x="6277356" y="4242816"/>
+            <a:ext cx="2514600" cy="2084832"/>
+          </a:xfrm>
+        </p:spPr>
         <p:txBody>
           <a:bodyPr/>
           <a:lstStyle/>
           <a:p>
-            <a:endParaRPr lang="pt-PT" dirty="0"/>
-          </a:p>
-        </p:txBody>
-      </p:sp>
-      <p:sp>
-        <p:nvSpPr>
-          <p:cNvPr id="6" name="Marcador de Posição do Texto 5">
-            <a:extLst>
-              <a:ext uri="{FF2B5EF4-FFF2-40B4-BE49-F238E27FC236}">
-                <a16:creationId xmlns:a16="http://schemas.microsoft.com/office/drawing/2014/main" id="{6E5D0BEC-FA4E-70F3-EF95-B32A07C2ADD6}"/>
-              </a:ext>
-            </a:extLst>
-          </p:cNvPr>
-          <p:cNvSpPr>
-            <a:spLocks noGrp="1"/>
-          </p:cNvSpPr>
-          <p:nvPr>
-            <p:ph type="body" sz="quarter" idx="25"/>
+            <a:r>
+              <a:rPr lang="pt-PT" dirty="0"/>
+              <a:t>Button</a:t>
+            </a:r>
+          </a:p>
+        </p:txBody>
+      </p:sp>
+      <p:pic>
+        <p:nvPicPr>
+          <p:cNvPr id="36" name="Marcador de Posição da Imagem 35" descr="Uma imagem com texto&#10;&#10;Descrição gerada automaticamente">
+            <a:extLst>
+              <a:ext uri="{FF2B5EF4-FFF2-40B4-BE49-F238E27FC236}">
+                <a16:creationId xmlns:a16="http://schemas.microsoft.com/office/drawing/2014/main" id="{06DB3C7A-6952-EBC0-935F-08376635F969}"/>
+              </a:ext>
+            </a:extLst>
+          </p:cNvPr>
+          <p:cNvPicPr>
+            <a:picLocks noGrp="1" noChangeAspect="1"/>
+          </p:cNvPicPr>
+          <p:nvPr>
+            <p:ph type="pic" sz="quarter" idx="36"/>
+          </p:nvPr>
+        </p:nvPicPr>
+        <p:blipFill>
+          <a:blip r:embed="rId3"/>
+          <a:srcRect t="9033" b="9033"/>
+          <a:stretch>
+            <a:fillRect/>
+          </a:stretch>
+        </p:blipFill>
+        <p:spPr>
+          <a:xfrm>
+            <a:off x="6291072" y="4242816"/>
+            <a:ext cx="2487168" cy="1280160"/>
+          </a:xfrm>
+        </p:spPr>
+      </p:pic>
+      <p:sp>
+        <p:nvSpPr>
+          <p:cNvPr id="9" name="Marcador de Posição do Texto 8">
+            <a:extLst>
+              <a:ext uri="{FF2B5EF4-FFF2-40B4-BE49-F238E27FC236}">
+                <a16:creationId xmlns:a16="http://schemas.microsoft.com/office/drawing/2014/main" id="{D8AFADBB-09F1-8248-4DD0-A88757A79C99}"/>
+              </a:ext>
+            </a:extLst>
+          </p:cNvPr>
+          <p:cNvSpPr>
+            <a:spLocks noGrp="1"/>
+          </p:cNvSpPr>
+          <p:nvPr>
+            <p:ph type="body" sz="quarter" idx="16"/>
           </p:nvPr>
         </p:nvSpPr>
         <p:spPr/>
@@ -14422,42 +14524,52 @@
           <a:bodyPr/>
           <a:lstStyle/>
           <a:p>
-            <a:endParaRPr lang="pt-PT" dirty="0"/>
-          </a:p>
-        </p:txBody>
-      </p:sp>
-      <p:sp>
-        <p:nvSpPr>
-          <p:cNvPr id="7" name="Marcador de Posição da Imagem 6">
-            <a:extLst>
-              <a:ext uri="{FF2B5EF4-FFF2-40B4-BE49-F238E27FC236}">
-                <a16:creationId xmlns:a16="http://schemas.microsoft.com/office/drawing/2014/main" id="{CC268B9B-BCBF-A157-D87F-6ABE23C0FF8D}"/>
-              </a:ext>
-            </a:extLst>
-          </p:cNvPr>
-          <p:cNvSpPr>
-            <a:spLocks noGrp="1"/>
-          </p:cNvSpPr>
-          <p:nvPr>
-            <p:ph type="pic" sz="quarter" idx="36"/>
-          </p:nvPr>
-        </p:nvSpPr>
+            <a:r>
+              <a:rPr lang="pt-PT" dirty="0"/>
+              <a:t>ScoreManager</a:t>
+            </a:r>
+          </a:p>
+        </p:txBody>
+      </p:sp>
+      <p:pic>
+        <p:nvPicPr>
+          <p:cNvPr id="30" name="Marcador de Posição da Imagem 29" descr="Uma imagem com texto&#10;&#10;Descrição gerada automaticamente">
+            <a:extLst>
+              <a:ext uri="{FF2B5EF4-FFF2-40B4-BE49-F238E27FC236}">
+                <a16:creationId xmlns:a16="http://schemas.microsoft.com/office/drawing/2014/main" id="{3E4582AA-70E8-4094-3326-0E2CECF15A74}"/>
+              </a:ext>
+            </a:extLst>
+          </p:cNvPr>
+          <p:cNvPicPr>
+            <a:picLocks noGrp="1" noChangeAspect="1"/>
+          </p:cNvPicPr>
+          <p:nvPr>
+            <p:ph type="pic" sz="quarter" idx="17"/>
+          </p:nvPr>
+        </p:nvPicPr>
+        <p:blipFill>
+          <a:blip r:embed="rId4"/>
+          <a:srcRect l="8701" r="8701"/>
+          <a:stretch>
+            <a:fillRect/>
+          </a:stretch>
+        </p:blipFill>
         <p:spPr/>
-      </p:sp>
-      <p:sp>
-        <p:nvSpPr>
-          <p:cNvPr id="8" name="Marcador de Posição do Texto 7">
-            <a:extLst>
-              <a:ext uri="{FF2B5EF4-FFF2-40B4-BE49-F238E27FC236}">
-                <a16:creationId xmlns:a16="http://schemas.microsoft.com/office/drawing/2014/main" id="{1FE7D7DA-7005-B055-B1D8-0A0ADC79C66A}"/>
-              </a:ext>
-            </a:extLst>
-          </p:cNvPr>
-          <p:cNvSpPr>
-            <a:spLocks noGrp="1"/>
-          </p:cNvSpPr>
-          <p:nvPr>
-            <p:ph type="body" sz="quarter" idx="26"/>
+      </p:pic>
+      <p:sp>
+        <p:nvSpPr>
+          <p:cNvPr id="12" name="Marcador de Posição do Texto 11">
+            <a:extLst>
+              <a:ext uri="{FF2B5EF4-FFF2-40B4-BE49-F238E27FC236}">
+                <a16:creationId xmlns:a16="http://schemas.microsoft.com/office/drawing/2014/main" id="{2B26D39A-A523-F659-6DE5-5268144703AC}"/>
+              </a:ext>
+            </a:extLst>
+          </p:cNvPr>
+          <p:cNvSpPr>
+            <a:spLocks noGrp="1"/>
+          </p:cNvSpPr>
+          <p:nvPr>
+            <p:ph type="body" sz="quarter" idx="27"/>
           </p:nvPr>
         </p:nvSpPr>
         <p:spPr/>
@@ -14465,24 +14577,52 @@
           <a:bodyPr/>
           <a:lstStyle/>
           <a:p>
-            <a:endParaRPr lang="pt-PT" dirty="0"/>
-          </a:p>
-        </p:txBody>
-      </p:sp>
-      <p:sp>
-        <p:nvSpPr>
-          <p:cNvPr id="9" name="Marcador de Posição do Texto 8">
-            <a:extLst>
-              <a:ext uri="{FF2B5EF4-FFF2-40B4-BE49-F238E27FC236}">
-                <a16:creationId xmlns:a16="http://schemas.microsoft.com/office/drawing/2014/main" id="{D8AFADBB-09F1-8248-4DD0-A88757A79C99}"/>
-              </a:ext>
-            </a:extLst>
-          </p:cNvPr>
-          <p:cNvSpPr>
-            <a:spLocks noGrp="1"/>
-          </p:cNvSpPr>
-          <p:nvPr>
-            <p:ph type="body" sz="quarter" idx="16"/>
+            <a:r>
+              <a:rPr lang="pt-PT" dirty="0"/>
+              <a:t>Game1</a:t>
+            </a:r>
+          </a:p>
+        </p:txBody>
+      </p:sp>
+      <p:pic>
+        <p:nvPicPr>
+          <p:cNvPr id="38" name="Marcador de Posição da Imagem 37" descr="Uma imagem com texto&#10;&#10;Descrição gerada automaticamente">
+            <a:extLst>
+              <a:ext uri="{FF2B5EF4-FFF2-40B4-BE49-F238E27FC236}">
+                <a16:creationId xmlns:a16="http://schemas.microsoft.com/office/drawing/2014/main" id="{E287DF74-84BB-D849-AD35-CA8CA9FB9B54}"/>
+              </a:ext>
+            </a:extLst>
+          </p:cNvPr>
+          <p:cNvPicPr>
+            <a:picLocks noGrp="1" noChangeAspect="1"/>
+          </p:cNvPicPr>
+          <p:nvPr>
+            <p:ph type="pic" sz="quarter" idx="28"/>
+          </p:nvPr>
+        </p:nvPicPr>
+        <p:blipFill>
+          <a:blip r:embed="rId5"/>
+          <a:srcRect t="15256" b="15256"/>
+          <a:stretch>
+            <a:fillRect/>
+          </a:stretch>
+        </p:blipFill>
+        <p:spPr/>
+      </p:pic>
+      <p:sp>
+        <p:nvSpPr>
+          <p:cNvPr id="15" name="Marcador de Posição do Texto 14">
+            <a:extLst>
+              <a:ext uri="{FF2B5EF4-FFF2-40B4-BE49-F238E27FC236}">
+                <a16:creationId xmlns:a16="http://schemas.microsoft.com/office/drawing/2014/main" id="{391E2A5C-9D4D-3066-0A47-98E8B85FF6F4}"/>
+              </a:ext>
+            </a:extLst>
+          </p:cNvPr>
+          <p:cNvSpPr>
+            <a:spLocks noGrp="1"/>
+          </p:cNvSpPr>
+          <p:nvPr>
+            <p:ph type="body" sz="quarter" idx="19"/>
           </p:nvPr>
         </p:nvSpPr>
         <p:spPr/>
@@ -14490,42 +14630,52 @@
           <a:bodyPr/>
           <a:lstStyle/>
           <a:p>
-            <a:endParaRPr lang="pt-PT" dirty="0"/>
-          </a:p>
-        </p:txBody>
-      </p:sp>
-      <p:sp>
-        <p:nvSpPr>
-          <p:cNvPr id="10" name="Marcador de Posição da Imagem 9">
-            <a:extLst>
-              <a:ext uri="{FF2B5EF4-FFF2-40B4-BE49-F238E27FC236}">
-                <a16:creationId xmlns:a16="http://schemas.microsoft.com/office/drawing/2014/main" id="{2EAB7136-8EDD-1D12-4159-C8A959A3027E}"/>
-              </a:ext>
-            </a:extLst>
-          </p:cNvPr>
-          <p:cNvSpPr>
-            <a:spLocks noGrp="1"/>
-          </p:cNvSpPr>
-          <p:nvPr>
-            <p:ph type="pic" sz="quarter" idx="17"/>
-          </p:nvPr>
-        </p:nvSpPr>
+            <a:r>
+              <a:rPr lang="pt-PT" dirty="0"/>
+              <a:t>Score</a:t>
+            </a:r>
+          </a:p>
+        </p:txBody>
+      </p:sp>
+      <p:pic>
+        <p:nvPicPr>
+          <p:cNvPr id="32" name="Marcador de Posição da Imagem 31" descr="Uma imagem com texto&#10;&#10;Descrição gerada automaticamente">
+            <a:extLst>
+              <a:ext uri="{FF2B5EF4-FFF2-40B4-BE49-F238E27FC236}">
+                <a16:creationId xmlns:a16="http://schemas.microsoft.com/office/drawing/2014/main" id="{A4B8C2AF-78FB-1928-213D-8BFA0ACB7DC3}"/>
+              </a:ext>
+            </a:extLst>
+          </p:cNvPr>
+          <p:cNvPicPr>
+            <a:picLocks noGrp="1" noChangeAspect="1"/>
+          </p:cNvPicPr>
+          <p:nvPr>
+            <p:ph type="pic" sz="quarter" idx="20"/>
+          </p:nvPr>
+        </p:nvPicPr>
+        <p:blipFill>
+          <a:blip r:embed="rId6"/>
+          <a:srcRect t="12045" b="12045"/>
+          <a:stretch>
+            <a:fillRect/>
+          </a:stretch>
+        </p:blipFill>
         <p:spPr/>
-      </p:sp>
-      <p:sp>
-        <p:nvSpPr>
-          <p:cNvPr id="11" name="Marcador de Posição do Texto 10">
-            <a:extLst>
-              <a:ext uri="{FF2B5EF4-FFF2-40B4-BE49-F238E27FC236}">
-                <a16:creationId xmlns:a16="http://schemas.microsoft.com/office/drawing/2014/main" id="{6EDAC2AB-49BF-60F3-C9D9-3EF8045A2523}"/>
-              </a:ext>
-            </a:extLst>
-          </p:cNvPr>
-          <p:cNvSpPr>
-            <a:spLocks noGrp="1"/>
-          </p:cNvSpPr>
-          <p:nvPr>
-            <p:ph type="body" sz="quarter" idx="18"/>
+      </p:pic>
+      <p:sp>
+        <p:nvSpPr>
+          <p:cNvPr id="21" name="Marcador de Posição do Texto 20">
+            <a:extLst>
+              <a:ext uri="{FF2B5EF4-FFF2-40B4-BE49-F238E27FC236}">
+                <a16:creationId xmlns:a16="http://schemas.microsoft.com/office/drawing/2014/main" id="{1500A320-EF1C-19ED-85BE-C5F490C3BD7B}"/>
+              </a:ext>
+            </a:extLst>
+          </p:cNvPr>
+          <p:cNvSpPr>
+            <a:spLocks noGrp="1"/>
+          </p:cNvSpPr>
+          <p:nvPr>
+            <p:ph type="body" sz="quarter" idx="22"/>
           </p:nvPr>
         </p:nvSpPr>
         <p:spPr/>
@@ -14533,350 +14683,38 @@
           <a:bodyPr/>
           <a:lstStyle/>
           <a:p>
-            <a:endParaRPr lang="pt-PT" dirty="0"/>
-          </a:p>
-        </p:txBody>
-      </p:sp>
-      <p:sp>
-        <p:nvSpPr>
-          <p:cNvPr id="12" name="Marcador de Posição do Texto 11">
-            <a:extLst>
-              <a:ext uri="{FF2B5EF4-FFF2-40B4-BE49-F238E27FC236}">
-                <a16:creationId xmlns:a16="http://schemas.microsoft.com/office/drawing/2014/main" id="{2B26D39A-A523-F659-6DE5-5268144703AC}"/>
-              </a:ext>
-            </a:extLst>
-          </p:cNvPr>
-          <p:cNvSpPr>
-            <a:spLocks noGrp="1"/>
-          </p:cNvSpPr>
-          <p:nvPr>
-            <p:ph type="body" sz="quarter" idx="27"/>
-          </p:nvPr>
-        </p:nvSpPr>
+            <a:r>
+              <a:rPr lang="pt-PT" dirty="0"/>
+              <a:t>GameState</a:t>
+            </a:r>
+          </a:p>
+        </p:txBody>
+      </p:sp>
+      <p:pic>
+        <p:nvPicPr>
+          <p:cNvPr id="34" name="Marcador de Posição da Imagem 33" descr="Uma imagem com texto&#10;&#10;Descrição gerada automaticamente">
+            <a:extLst>
+              <a:ext uri="{FF2B5EF4-FFF2-40B4-BE49-F238E27FC236}">
+                <a16:creationId xmlns:a16="http://schemas.microsoft.com/office/drawing/2014/main" id="{7F8228EA-5A08-CEB3-2FE9-DBBFDCFA97CF}"/>
+              </a:ext>
+            </a:extLst>
+          </p:cNvPr>
+          <p:cNvPicPr>
+            <a:picLocks noGrp="1" noChangeAspect="1"/>
+          </p:cNvPicPr>
+          <p:nvPr>
+            <p:ph type="pic" sz="quarter" idx="23"/>
+          </p:nvPr>
+        </p:nvPicPr>
+        <p:blipFill>
+          <a:blip r:embed="rId7"/>
+          <a:srcRect t="21002" b="21002"/>
+          <a:stretch>
+            <a:fillRect/>
+          </a:stretch>
+        </p:blipFill>
         <p:spPr/>
-        <p:txBody>
-          <a:bodyPr/>
-          <a:lstStyle/>
-          <a:p>
-            <a:endParaRPr lang="pt-PT" dirty="0"/>
-          </a:p>
-        </p:txBody>
-      </p:sp>
-      <p:sp>
-        <p:nvSpPr>
-          <p:cNvPr id="13" name="Marcador de Posição da Imagem 12">
-            <a:extLst>
-              <a:ext uri="{FF2B5EF4-FFF2-40B4-BE49-F238E27FC236}">
-                <a16:creationId xmlns:a16="http://schemas.microsoft.com/office/drawing/2014/main" id="{D214E5A8-6583-6EE7-EC6E-B45D59F6A514}"/>
-              </a:ext>
-            </a:extLst>
-          </p:cNvPr>
-          <p:cNvSpPr>
-            <a:spLocks noGrp="1"/>
-          </p:cNvSpPr>
-          <p:nvPr>
-            <p:ph type="pic" sz="quarter" idx="28"/>
-          </p:nvPr>
-        </p:nvSpPr>
-        <p:spPr/>
-      </p:sp>
-      <p:sp>
-        <p:nvSpPr>
-          <p:cNvPr id="14" name="Marcador de Posição do Texto 13">
-            <a:extLst>
-              <a:ext uri="{FF2B5EF4-FFF2-40B4-BE49-F238E27FC236}">
-                <a16:creationId xmlns:a16="http://schemas.microsoft.com/office/drawing/2014/main" id="{D4E2FDD6-DBBD-2188-9385-8E7EC2C792BB}"/>
-              </a:ext>
-            </a:extLst>
-          </p:cNvPr>
-          <p:cNvSpPr>
-            <a:spLocks noGrp="1"/>
-          </p:cNvSpPr>
-          <p:nvPr>
-            <p:ph type="body" sz="quarter" idx="29"/>
-          </p:nvPr>
-        </p:nvSpPr>
-        <p:spPr/>
-        <p:txBody>
-          <a:bodyPr/>
-          <a:lstStyle/>
-          <a:p>
-            <a:endParaRPr lang="pt-PT" dirty="0"/>
-          </a:p>
-        </p:txBody>
-      </p:sp>
-      <p:sp>
-        <p:nvSpPr>
-          <p:cNvPr id="15" name="Marcador de Posição do Texto 14">
-            <a:extLst>
-              <a:ext uri="{FF2B5EF4-FFF2-40B4-BE49-F238E27FC236}">
-                <a16:creationId xmlns:a16="http://schemas.microsoft.com/office/drawing/2014/main" id="{391E2A5C-9D4D-3066-0A47-98E8B85FF6F4}"/>
-              </a:ext>
-            </a:extLst>
-          </p:cNvPr>
-          <p:cNvSpPr>
-            <a:spLocks noGrp="1"/>
-          </p:cNvSpPr>
-          <p:nvPr>
-            <p:ph type="body" sz="quarter" idx="19"/>
-          </p:nvPr>
-        </p:nvSpPr>
-        <p:spPr/>
-        <p:txBody>
-          <a:bodyPr/>
-          <a:lstStyle/>
-          <a:p>
-            <a:endParaRPr lang="pt-PT" dirty="0"/>
-          </a:p>
-        </p:txBody>
-      </p:sp>
-      <p:sp>
-        <p:nvSpPr>
-          <p:cNvPr id="16" name="Marcador de Posição da Imagem 15">
-            <a:extLst>
-              <a:ext uri="{FF2B5EF4-FFF2-40B4-BE49-F238E27FC236}">
-                <a16:creationId xmlns:a16="http://schemas.microsoft.com/office/drawing/2014/main" id="{1123A260-94E6-BC47-D297-59FF2B5925FD}"/>
-              </a:ext>
-            </a:extLst>
-          </p:cNvPr>
-          <p:cNvSpPr>
-            <a:spLocks noGrp="1"/>
-          </p:cNvSpPr>
-          <p:nvPr>
-            <p:ph type="pic" sz="quarter" idx="20"/>
-          </p:nvPr>
-        </p:nvSpPr>
-        <p:spPr/>
-      </p:sp>
-      <p:sp>
-        <p:nvSpPr>
-          <p:cNvPr id="17" name="Marcador de Posição do Texto 16">
-            <a:extLst>
-              <a:ext uri="{FF2B5EF4-FFF2-40B4-BE49-F238E27FC236}">
-                <a16:creationId xmlns:a16="http://schemas.microsoft.com/office/drawing/2014/main" id="{A8D4095F-F71B-138B-004F-F15BC012551F}"/>
-              </a:ext>
-            </a:extLst>
-          </p:cNvPr>
-          <p:cNvSpPr>
-            <a:spLocks noGrp="1"/>
-          </p:cNvSpPr>
-          <p:nvPr>
-            <p:ph type="body" sz="quarter" idx="21"/>
-          </p:nvPr>
-        </p:nvSpPr>
-        <p:spPr/>
-        <p:txBody>
-          <a:bodyPr/>
-          <a:lstStyle/>
-          <a:p>
-            <a:endParaRPr lang="pt-PT" dirty="0"/>
-          </a:p>
-        </p:txBody>
-      </p:sp>
-      <p:sp>
-        <p:nvSpPr>
-          <p:cNvPr id="18" name="Marcador de Posição do Texto 17">
-            <a:extLst>
-              <a:ext uri="{FF2B5EF4-FFF2-40B4-BE49-F238E27FC236}">
-                <a16:creationId xmlns:a16="http://schemas.microsoft.com/office/drawing/2014/main" id="{97EE5C0B-BEA3-81F9-C642-25CCD559F523}"/>
-              </a:ext>
-            </a:extLst>
-          </p:cNvPr>
-          <p:cNvSpPr>
-            <a:spLocks noGrp="1"/>
-          </p:cNvSpPr>
-          <p:nvPr>
-            <p:ph type="body" sz="quarter" idx="30"/>
-          </p:nvPr>
-        </p:nvSpPr>
-        <p:spPr/>
-        <p:txBody>
-          <a:bodyPr/>
-          <a:lstStyle/>
-          <a:p>
-            <a:endParaRPr lang="pt-PT" dirty="0"/>
-          </a:p>
-        </p:txBody>
-      </p:sp>
-      <p:sp>
-        <p:nvSpPr>
-          <p:cNvPr id="19" name="Marcador de Posição da Imagem 18">
-            <a:extLst>
-              <a:ext uri="{FF2B5EF4-FFF2-40B4-BE49-F238E27FC236}">
-                <a16:creationId xmlns:a16="http://schemas.microsoft.com/office/drawing/2014/main" id="{1783E5A2-849A-A651-6739-D40353AD0B41}"/>
-              </a:ext>
-            </a:extLst>
-          </p:cNvPr>
-          <p:cNvSpPr>
-            <a:spLocks noGrp="1"/>
-          </p:cNvSpPr>
-          <p:nvPr>
-            <p:ph type="pic" sz="quarter" idx="31"/>
-          </p:nvPr>
-        </p:nvSpPr>
-        <p:spPr/>
-      </p:sp>
-      <p:sp>
-        <p:nvSpPr>
-          <p:cNvPr id="20" name="Marcador de Posição do Texto 19">
-            <a:extLst>
-              <a:ext uri="{FF2B5EF4-FFF2-40B4-BE49-F238E27FC236}">
-                <a16:creationId xmlns:a16="http://schemas.microsoft.com/office/drawing/2014/main" id="{587EB2C4-3E7E-C0EC-AB6E-E3222DF08F7F}"/>
-              </a:ext>
-            </a:extLst>
-          </p:cNvPr>
-          <p:cNvSpPr>
-            <a:spLocks noGrp="1"/>
-          </p:cNvSpPr>
-          <p:nvPr>
-            <p:ph type="body" sz="quarter" idx="32"/>
-          </p:nvPr>
-        </p:nvSpPr>
-        <p:spPr/>
-        <p:txBody>
-          <a:bodyPr/>
-          <a:lstStyle/>
-          <a:p>
-            <a:endParaRPr lang="pt-PT" dirty="0"/>
-          </a:p>
-        </p:txBody>
-      </p:sp>
-      <p:sp>
-        <p:nvSpPr>
-          <p:cNvPr id="21" name="Marcador de Posição do Texto 20">
-            <a:extLst>
-              <a:ext uri="{FF2B5EF4-FFF2-40B4-BE49-F238E27FC236}">
-                <a16:creationId xmlns:a16="http://schemas.microsoft.com/office/drawing/2014/main" id="{1500A320-EF1C-19ED-85BE-C5F490C3BD7B}"/>
-              </a:ext>
-            </a:extLst>
-          </p:cNvPr>
-          <p:cNvSpPr>
-            <a:spLocks noGrp="1"/>
-          </p:cNvSpPr>
-          <p:nvPr>
-            <p:ph type="body" sz="quarter" idx="22"/>
-          </p:nvPr>
-        </p:nvSpPr>
-        <p:spPr/>
-        <p:txBody>
-          <a:bodyPr/>
-          <a:lstStyle/>
-          <a:p>
-            <a:endParaRPr lang="pt-PT" dirty="0"/>
-          </a:p>
-        </p:txBody>
-      </p:sp>
-      <p:sp>
-        <p:nvSpPr>
-          <p:cNvPr id="22" name="Marcador de Posição da Imagem 21">
-            <a:extLst>
-              <a:ext uri="{FF2B5EF4-FFF2-40B4-BE49-F238E27FC236}">
-                <a16:creationId xmlns:a16="http://schemas.microsoft.com/office/drawing/2014/main" id="{F0A5747F-B4A8-9D68-DE85-B8EDB383F231}"/>
-              </a:ext>
-            </a:extLst>
-          </p:cNvPr>
-          <p:cNvSpPr>
-            <a:spLocks noGrp="1"/>
-          </p:cNvSpPr>
-          <p:nvPr>
-            <p:ph type="pic" sz="quarter" idx="23"/>
-          </p:nvPr>
-        </p:nvSpPr>
-        <p:spPr/>
-      </p:sp>
-      <p:sp>
-        <p:nvSpPr>
-          <p:cNvPr id="23" name="Marcador de Posição do Texto 22">
-            <a:extLst>
-              <a:ext uri="{FF2B5EF4-FFF2-40B4-BE49-F238E27FC236}">
-                <a16:creationId xmlns:a16="http://schemas.microsoft.com/office/drawing/2014/main" id="{64473D7F-BECA-F8C9-2A17-0B1643FAB282}"/>
-              </a:ext>
-            </a:extLst>
-          </p:cNvPr>
-          <p:cNvSpPr>
-            <a:spLocks noGrp="1"/>
-          </p:cNvSpPr>
-          <p:nvPr>
-            <p:ph type="body" sz="quarter" idx="24"/>
-          </p:nvPr>
-        </p:nvSpPr>
-        <p:spPr/>
-        <p:txBody>
-          <a:bodyPr/>
-          <a:lstStyle/>
-          <a:p>
-            <a:endParaRPr lang="pt-PT" dirty="0"/>
-          </a:p>
-        </p:txBody>
-      </p:sp>
-      <p:sp>
-        <p:nvSpPr>
-          <p:cNvPr id="24" name="Marcador de Posição do Texto 23">
-            <a:extLst>
-              <a:ext uri="{FF2B5EF4-FFF2-40B4-BE49-F238E27FC236}">
-                <a16:creationId xmlns:a16="http://schemas.microsoft.com/office/drawing/2014/main" id="{089C38F4-A2DB-90A2-3256-77D6EECB053D}"/>
-              </a:ext>
-            </a:extLst>
-          </p:cNvPr>
-          <p:cNvSpPr>
-            <a:spLocks noGrp="1"/>
-          </p:cNvSpPr>
-          <p:nvPr>
-            <p:ph type="body" sz="quarter" idx="33"/>
-          </p:nvPr>
-        </p:nvSpPr>
-        <p:spPr/>
-        <p:txBody>
-          <a:bodyPr/>
-          <a:lstStyle/>
-          <a:p>
-            <a:endParaRPr lang="pt-PT" dirty="0"/>
-          </a:p>
-        </p:txBody>
-      </p:sp>
-      <p:sp>
-        <p:nvSpPr>
-          <p:cNvPr id="25" name="Marcador de Posição da Imagem 24">
-            <a:extLst>
-              <a:ext uri="{FF2B5EF4-FFF2-40B4-BE49-F238E27FC236}">
-                <a16:creationId xmlns:a16="http://schemas.microsoft.com/office/drawing/2014/main" id="{2C5A90E5-8025-03FA-FF3E-DBC3AE071BEA}"/>
-              </a:ext>
-            </a:extLst>
-          </p:cNvPr>
-          <p:cNvSpPr>
-            <a:spLocks noGrp="1"/>
-          </p:cNvSpPr>
-          <p:nvPr>
-            <p:ph type="pic" sz="quarter" idx="34"/>
-          </p:nvPr>
-        </p:nvSpPr>
-        <p:spPr/>
-      </p:sp>
-      <p:sp>
-        <p:nvSpPr>
-          <p:cNvPr id="26" name="Marcador de Posição do Texto 25">
-            <a:extLst>
-              <a:ext uri="{FF2B5EF4-FFF2-40B4-BE49-F238E27FC236}">
-                <a16:creationId xmlns:a16="http://schemas.microsoft.com/office/drawing/2014/main" id="{7BB56213-1073-3A1E-B7DB-CED59A5CCD48}"/>
-              </a:ext>
-            </a:extLst>
-          </p:cNvPr>
-          <p:cNvSpPr>
-            <a:spLocks noGrp="1"/>
-          </p:cNvSpPr>
-          <p:nvPr>
-            <p:ph type="body" sz="quarter" idx="35"/>
-          </p:nvPr>
-        </p:nvSpPr>
-        <p:spPr/>
-        <p:txBody>
-          <a:bodyPr/>
-          <a:lstStyle/>
-          <a:p>
-            <a:endParaRPr lang="pt-PT" dirty="0"/>
-          </a:p>
-        </p:txBody>
-      </p:sp>
+      </p:pic>
     </p:spTree>
     <p:extLst>
       <p:ext uri="{BB962C8B-B14F-4D97-AF65-F5344CB8AC3E}">
@@ -14887,6 +14725,18 @@
   <p:clrMapOvr>
     <a:masterClrMapping/>
   </p:clrMapOvr>
+  <mc:AlternateContent xmlns:mc="http://schemas.openxmlformats.org/markup-compatibility/2006">
+    <mc:Choice xmlns:p14="http://schemas.microsoft.com/office/powerpoint/2010/main" Requires="p14">
+      <p:transition spd="slow" p14:dur="1500">
+        <p:random/>
+      </p:transition>
+    </mc:Choice>
+    <mc:Fallback>
+      <p:transition spd="slow">
+        <p:random/>
+      </p:transition>
+    </mc:Fallback>
+  </mc:AlternateContent>
 </p:sld>
 </file>
 
@@ -14959,62 +14809,31 @@
           </a:p>
         </p:txBody>
       </p:sp>
-      <p:sp>
-        <p:nvSpPr>
-          <p:cNvPr id="11" name="Marcador de Posição do Texto 10">
-            <a:extLst>
-              <a:ext uri="{FF2B5EF4-FFF2-40B4-BE49-F238E27FC236}">
-                <a16:creationId xmlns:a16="http://schemas.microsoft.com/office/drawing/2014/main" id="{15C5FD85-E72E-D48C-0D76-91EA628295DE}"/>
-              </a:ext>
-            </a:extLst>
-          </p:cNvPr>
-          <p:cNvSpPr>
-            <a:spLocks noGrp="1"/>
-          </p:cNvSpPr>
-          <p:nvPr>
-            <p:ph type="body" idx="1"/>
-          </p:nvPr>
-        </p:nvSpPr>
-        <p:spPr>
-          <a:xfrm>
-            <a:off x="758952" y="5378349"/>
-            <a:ext cx="2980944" cy="402336"/>
-          </a:xfrm>
-        </p:spPr>
-        <p:txBody>
-          <a:bodyPr rtlCol="0"/>
-          <a:lstStyle>
-            <a:defPPr>
-              <a:defRPr lang="en-US"/>
-            </a:defPPr>
-          </a:lstStyle>
-          <a:p>
-            <a:pPr rtl="0"/>
-            <a:r>
-              <a:rPr lang="pt-PT" dirty="0"/>
-              <a:t>.</a:t>
-            </a:r>
-          </a:p>
-        </p:txBody>
-      </p:sp>
-      <p:sp>
-        <p:nvSpPr>
-          <p:cNvPr id="4" name="Marcador de Posição da Imagem 3">
-            <a:extLst>
-              <a:ext uri="{FF2B5EF4-FFF2-40B4-BE49-F238E27FC236}">
-                <a16:creationId xmlns:a16="http://schemas.microsoft.com/office/drawing/2014/main" id="{4F4A51BE-7DDC-6C8D-0B9C-81BD91647795}"/>
-              </a:ext>
-            </a:extLst>
-          </p:cNvPr>
-          <p:cNvSpPr>
-            <a:spLocks noGrp="1"/>
-          </p:cNvSpPr>
+      <p:pic>
+        <p:nvPicPr>
+          <p:cNvPr id="5" name="Marcador de Posição da Imagem 4" descr="Uma imagem com texto, ar livre, céu, natureza&#10;&#10;Descrição gerada automaticamente">
+            <a:extLst>
+              <a:ext uri="{FF2B5EF4-FFF2-40B4-BE49-F238E27FC236}">
+                <a16:creationId xmlns:a16="http://schemas.microsoft.com/office/drawing/2014/main" id="{4097AB33-9108-9C14-39EA-5143ED2C01EE}"/>
+              </a:ext>
+            </a:extLst>
+          </p:cNvPr>
+          <p:cNvPicPr>
+            <a:picLocks noGrp="1" noChangeAspect="1"/>
+          </p:cNvPicPr>
           <p:nvPr>
             <p:ph type="pic" sz="quarter" idx="10"/>
           </p:nvPr>
-        </p:nvSpPr>
+        </p:nvPicPr>
+        <p:blipFill>
+          <a:blip r:embed="rId3"/>
+          <a:srcRect l="19975" r="19975"/>
+          <a:stretch>
+            <a:fillRect/>
+          </a:stretch>
+        </p:blipFill>
         <p:spPr/>
-      </p:sp>
+      </p:pic>
     </p:spTree>
     <p:extLst>
       <p:ext uri="{BB962C8B-B14F-4D97-AF65-F5344CB8AC3E}">
@@ -15025,6 +14844,18 @@
   <p:clrMapOvr>
     <a:masterClrMapping/>
   </p:clrMapOvr>
+  <mc:AlternateContent xmlns:mc="http://schemas.openxmlformats.org/markup-compatibility/2006">
+    <mc:Choice xmlns:p14="http://schemas.microsoft.com/office/powerpoint/2010/main" Requires="p14">
+      <p:transition spd="slow" p14:dur="1500">
+        <p:random/>
+      </p:transition>
+    </mc:Choice>
+    <mc:Fallback>
+      <p:transition spd="slow">
+        <p:random/>
+      </p:transition>
+    </mc:Fallback>
+  </mc:AlternateContent>
 </p:sld>
 </file>
 
@@ -15061,109 +14892,193 @@
             <p:ph type="title"/>
           </p:nvPr>
         </p:nvSpPr>
-        <p:spPr/>
-        <p:txBody>
-          <a:bodyPr rtlCol="0"/>
+        <p:spPr>
+          <a:xfrm>
+            <a:off x="1139952" y="512064"/>
+            <a:ext cx="9912096" cy="1014984"/>
+          </a:xfrm>
+        </p:spPr>
+        <p:txBody>
+          <a:bodyPr rtlCol="0" anchor="t">
+            <a:normAutofit/>
+          </a:bodyPr>
           <a:lstStyle>
             <a:defPPr>
               <a:defRPr lang="en-US"/>
             </a:defPPr>
           </a:lstStyle>
           <a:p>
-            <a:pPr rtl="0"/>
-            <a:r>
-              <a:rPr lang="pt-PT" dirty="0"/>
+            <a:pPr rtl="0">
+              <a:lnSpc>
+                <a:spcPct val="90000"/>
+              </a:lnSpc>
+            </a:pPr>
+            <a:r>
+              <a:rPr lang="pt-PT" sz="3300"/>
               <a:t>Resumo</a:t>
             </a:r>
             <a:br>
-              <a:rPr lang="pt-PT" dirty="0"/>
+              <a:rPr lang="pt-PT" sz="3300"/>
             </a:br>
-            <a:endParaRPr lang="pt-PT" dirty="0"/>
-          </a:p>
-        </p:txBody>
-      </p:sp>
-      <p:sp>
-        <p:nvSpPr>
-          <p:cNvPr id="3" name="Marcador de Posição de Conteúdo 2">
-            <a:extLst>
-              <a:ext uri="{FF2B5EF4-FFF2-40B4-BE49-F238E27FC236}">
-                <a16:creationId xmlns:a16="http://schemas.microsoft.com/office/drawing/2014/main" id="{DFAA7609-6E6A-B996-BC29-F9AA857D7B35}"/>
-              </a:ext>
-            </a:extLst>
-          </p:cNvPr>
-          <p:cNvSpPr>
-            <a:spLocks noGrp="1"/>
-          </p:cNvSpPr>
+            <a:endParaRPr lang="pt-PT" sz="3300"/>
+          </a:p>
+        </p:txBody>
+      </p:sp>
+      <p:pic>
+        <p:nvPicPr>
+          <p:cNvPr id="6" name="Marcador de Posição da Imagem 5" descr="Uma imagem com texto, pôr do sol, sinalizar, esguro&#10;&#10;Descrição gerada automaticamente">
+            <a:extLst>
+              <a:ext uri="{FF2B5EF4-FFF2-40B4-BE49-F238E27FC236}">
+                <a16:creationId xmlns:a16="http://schemas.microsoft.com/office/drawing/2014/main" id="{ECFF25A5-A339-4B82-3A78-2145DE31D44E}"/>
+              </a:ext>
+            </a:extLst>
+          </p:cNvPr>
+          <p:cNvPicPr>
+            <a:picLocks noGrp="1" noChangeAspect="1"/>
+          </p:cNvPicPr>
           <p:nvPr>
             <p:ph idx="1"/>
           </p:nvPr>
-        </p:nvSpPr>
-        <p:spPr/>
-        <p:txBody>
-          <a:bodyPr rtlCol="0"/>
+        </p:nvPicPr>
+        <p:blipFill rotWithShape="1">
+          <a:blip r:embed="rId3"/>
+          <a:srcRect r="2" b="35896"/>
+          <a:stretch/>
+        </p:blipFill>
+        <p:spPr>
+          <a:xfrm>
+            <a:off x="484632" y="1810512"/>
+            <a:ext cx="11000232" cy="4160520"/>
+          </a:xfrm>
+          <a:noFill/>
+        </p:spPr>
+      </p:pic>
+      <p:sp>
+        <p:nvSpPr>
+          <p:cNvPr id="15" name="Marcador de Posição do Número do Diapositivo 14">
+            <a:extLst>
+              <a:ext uri="{FF2B5EF4-FFF2-40B4-BE49-F238E27FC236}">
+                <a16:creationId xmlns:a16="http://schemas.microsoft.com/office/drawing/2014/main" id="{EA450CD4-3018-DBCF-3A32-B72A7DCFA11F}"/>
+              </a:ext>
+            </a:extLst>
+          </p:cNvPr>
+          <p:cNvSpPr>
+            <a:spLocks noGrp="1"/>
+          </p:cNvSpPr>
+          <p:nvPr>
+            <p:ph type="sldNum" sz="quarter" idx="12"/>
+          </p:nvPr>
+        </p:nvSpPr>
+        <p:spPr>
+          <a:xfrm>
+            <a:off x="838200" y="6400904"/>
+            <a:ext cx="365760" cy="246888"/>
+          </a:xfrm>
+        </p:spPr>
+        <p:txBody>
+          <a:bodyPr rtlCol="0" anchor="ctr">
+            <a:normAutofit/>
+          </a:bodyPr>
           <a:lstStyle>
             <a:defPPr>
               <a:defRPr lang="en-US"/>
             </a:defPPr>
           </a:lstStyle>
           <a:p>
-            <a:pPr rtl="0"/>
-            <a:endParaRPr lang="pt-PT" dirty="0"/>
-          </a:p>
-        </p:txBody>
-      </p:sp>
-      <p:sp>
-        <p:nvSpPr>
-          <p:cNvPr id="15" name="Marcador de Posição do Número do Diapositivo 14">
-            <a:extLst>
-              <a:ext uri="{FF2B5EF4-FFF2-40B4-BE49-F238E27FC236}">
-                <a16:creationId xmlns:a16="http://schemas.microsoft.com/office/drawing/2014/main" id="{EA450CD4-3018-DBCF-3A32-B72A7DCFA11F}"/>
-              </a:ext>
-            </a:extLst>
-          </p:cNvPr>
-          <p:cNvSpPr>
-            <a:spLocks noGrp="1"/>
-          </p:cNvSpPr>
-          <p:nvPr>
-            <p:ph type="sldNum" sz="quarter" idx="12"/>
-          </p:nvPr>
-        </p:nvSpPr>
-        <p:spPr/>
-        <p:txBody>
-          <a:bodyPr rtlCol="0"/>
-          <a:lstStyle>
-            <a:defPPr>
-              <a:defRPr lang="en-US"/>
-            </a:defPPr>
-          </a:lstStyle>
-          <a:p>
-            <a:pPr rtl="0"/>
+            <a:pPr rtl="0">
+              <a:spcAft>
+                <a:spcPts val="600"/>
+              </a:spcAft>
+            </a:pPr>
             <a:fld id="{8D0AFDD5-844D-364D-8AEC-50CF4D36D55D}" type="slidenum">
               <a:rPr lang="pt-PT" smtClean="0"/>
-              <a:pPr rtl="0"/>
+              <a:pPr rtl="0">
+                <a:spcAft>
+                  <a:spcPts val="600"/>
+                </a:spcAft>
+              </a:pPr>
               <a:t>6</a:t>
             </a:fld>
-            <a:endParaRPr lang="pt-PT" dirty="0"/>
-          </a:p>
-        </p:txBody>
-      </p:sp>
-      <p:sp>
-        <p:nvSpPr>
-          <p:cNvPr id="5" name="Marcador de Posição da Imagem 4">
-            <a:extLst>
-              <a:ext uri="{FF2B5EF4-FFF2-40B4-BE49-F238E27FC236}">
-                <a16:creationId xmlns:a16="http://schemas.microsoft.com/office/drawing/2014/main" id="{0FC8E42C-11E5-77E8-338A-5C997254ADA9}"/>
-              </a:ext>
-            </a:extLst>
-          </p:cNvPr>
-          <p:cNvSpPr>
-            <a:spLocks noGrp="1"/>
-          </p:cNvSpPr>
-          <p:nvPr>
-            <p:ph type="pic" sz="quarter" idx="13"/>
-          </p:nvPr>
-        </p:nvSpPr>
-        <p:spPr/>
+            <a:endParaRPr lang="pt-PT"/>
+          </a:p>
+        </p:txBody>
+      </p:sp>
+      <p:sp>
+        <p:nvSpPr>
+          <p:cNvPr id="20" name="Footer Placeholder 4">
+            <a:extLst>
+              <a:ext uri="{FF2B5EF4-FFF2-40B4-BE49-F238E27FC236}">
+                <a16:creationId xmlns:a16="http://schemas.microsoft.com/office/drawing/2014/main" id="{DFBE560E-C115-CAB8-C101-6E42AD76067B}"/>
+              </a:ext>
+            </a:extLst>
+          </p:cNvPr>
+          <p:cNvSpPr>
+            <a:spLocks noGrp="1"/>
+          </p:cNvSpPr>
+          <p:nvPr>
+            <p:ph type="ftr" sz="quarter" idx="11"/>
+          </p:nvPr>
+        </p:nvSpPr>
+        <p:spPr>
+          <a:xfrm>
+            <a:off x="5364480" y="6400904"/>
+            <a:ext cx="1463040" cy="246888"/>
+          </a:xfrm>
+        </p:spPr>
+        <p:txBody>
+          <a:bodyPr/>
+          <a:lstStyle/>
+          <a:p>
+            <a:pPr>
+              <a:spcAft>
+                <a:spcPts val="600"/>
+              </a:spcAft>
+            </a:pPr>
+            <a:r>
+              <a:rPr lang="pt-PT" sz="1000" dirty="0"/>
+              <a:t>Trabalho Prático 1 - TDV</a:t>
+            </a:r>
+            <a:endParaRPr lang="pt-PT" noProof="0" dirty="0"/>
+          </a:p>
+        </p:txBody>
+      </p:sp>
+      <p:sp>
+        <p:nvSpPr>
+          <p:cNvPr id="22" name="Date Placeholder 5">
+            <a:extLst>
+              <a:ext uri="{FF2B5EF4-FFF2-40B4-BE49-F238E27FC236}">
+                <a16:creationId xmlns:a16="http://schemas.microsoft.com/office/drawing/2014/main" id="{69FBF25B-791C-141B-C219-FDE3714092C1}"/>
+              </a:ext>
+            </a:extLst>
+          </p:cNvPr>
+          <p:cNvSpPr>
+            <a:spLocks noGrp="1"/>
+          </p:cNvSpPr>
+          <p:nvPr>
+            <p:ph type="dt" sz="half" idx="10"/>
+          </p:nvPr>
+        </p:nvSpPr>
+        <p:spPr>
+          <a:xfrm>
+            <a:off x="10629145" y="6400904"/>
+            <a:ext cx="640080" cy="246888"/>
+          </a:xfrm>
+        </p:spPr>
+        <p:txBody>
+          <a:bodyPr/>
+          <a:lstStyle/>
+          <a:p>
+            <a:pPr rtl="0">
+              <a:spcAft>
+                <a:spcPts val="600"/>
+              </a:spcAft>
+            </a:pPr>
+            <a:r>
+              <a:rPr lang="pt-PT" noProof="0" dirty="0"/>
+              <a:t>DE 2023</a:t>
+            </a:r>
+          </a:p>
+        </p:txBody>
       </p:sp>
     </p:spTree>
     <p:extLst>
@@ -15175,6 +15090,18 @@
   <p:clrMapOvr>
     <a:masterClrMapping/>
   </p:clrMapOvr>
+  <mc:AlternateContent xmlns:mc="http://schemas.openxmlformats.org/markup-compatibility/2006">
+    <mc:Choice xmlns:p14="http://schemas.microsoft.com/office/powerpoint/2010/main" Requires="p14">
+      <p:transition spd="slow" p14:dur="1500">
+        <p:random/>
+      </p:transition>
+    </mc:Choice>
+    <mc:Fallback>
+      <p:transition spd="slow">
+        <p:random/>
+      </p:transition>
+    </mc:Fallback>
+  </mc:AlternateContent>
 </p:sld>
 </file>
 
@@ -15297,6 +15224,18 @@
   <p:clrMapOvr>
     <a:masterClrMapping/>
   </p:clrMapOvr>
+  <mc:AlternateContent xmlns:mc="http://schemas.openxmlformats.org/markup-compatibility/2006">
+    <mc:Choice xmlns:p14="http://schemas.microsoft.com/office/powerpoint/2010/main" Requires="p14">
+      <p:transition spd="slow" p14:dur="1500">
+        <p:random/>
+      </p:transition>
+    </mc:Choice>
+    <mc:Fallback>
+      <p:transition spd="slow">
+        <p:random/>
+      </p:transition>
+    </mc:Fallback>
+  </mc:AlternateContent>
 </p:sld>
 </file>
 
@@ -16092,18 +16031,6 @@
 </file>
 
 <file path=customXml/item1.xml><?xml version="1.0" encoding="utf-8"?>
-<p:properties xmlns:p="http://schemas.microsoft.com/office/2006/metadata/properties" xmlns:xsi="http://www.w3.org/2001/XMLSchema-instance" xmlns:pc="http://schemas.microsoft.com/office/infopath/2007/PartnerControls">
-  <documentManagement>
-    <TaxCatchAll xmlns="bb13cd20-357b-48a5-aff4-3bb4b52aae3e" xsi:nil="true"/>
-    <MediaServiceKeyPoints xmlns="4f0d45a2-344c-4fe0-9811-4277bf2c2e17" xsi:nil="true"/>
-    <lcf76f155ced4ddcb4097134ff3c332f xmlns="4f0d45a2-344c-4fe0-9811-4277bf2c2e17">
-      <Terms xmlns="http://schemas.microsoft.com/office/infopath/2007/PartnerControls"/>
-    </lcf76f155ced4ddcb4097134ff3c332f>
-  </documentManagement>
-</p:properties>
-</file>
-
-<file path=customXml/item2.xml><?xml version="1.0" encoding="utf-8"?>
 <ct:contentTypeSchema xmlns:ct="http://schemas.microsoft.com/office/2006/metadata/contentType" xmlns:ma="http://schemas.microsoft.com/office/2006/metadata/properties/metaAttributes" ct:_="" ma:_="" ma:contentTypeName="Document" ma:contentTypeID="0x0101003AB9CED55E8F8543BEFD54205924B97E" ma:contentTypeVersion="15" ma:contentTypeDescription="Create a new document." ma:contentTypeScope="" ma:versionID="7934cfc98febfa177962bc8a36be076c">
   <xsd:schema xmlns:xsd="http://www.w3.org/2001/XMLSchema" xmlns:xs="http://www.w3.org/2001/XMLSchema" xmlns:p="http://schemas.microsoft.com/office/2006/metadata/properties" xmlns:ns2="4f0d45a2-344c-4fe0-9811-4277bf2c2e17" xmlns:ns3="bb13cd20-357b-48a5-aff4-3bb4b52aae3e" targetNamespace="http://schemas.microsoft.com/office/2006/metadata/properties" ma:root="true" ma:fieldsID="aa190bc864bcebc737c679dbb323a16d" ns2:_="" ns3:_="">
     <xsd:import namespace="4f0d45a2-344c-4fe0-9811-4277bf2c2e17"/>
@@ -16340,6 +16267,18 @@
 </ct:contentTypeSchema>
 </file>
 
+<file path=customXml/item2.xml><?xml version="1.0" encoding="utf-8"?>
+<p:properties xmlns:p="http://schemas.microsoft.com/office/2006/metadata/properties" xmlns:xsi="http://www.w3.org/2001/XMLSchema-instance" xmlns:pc="http://schemas.microsoft.com/office/infopath/2007/PartnerControls">
+  <documentManagement>
+    <TaxCatchAll xmlns="bb13cd20-357b-48a5-aff4-3bb4b52aae3e" xsi:nil="true"/>
+    <MediaServiceKeyPoints xmlns="4f0d45a2-344c-4fe0-9811-4277bf2c2e17" xsi:nil="true"/>
+    <lcf76f155ced4ddcb4097134ff3c332f xmlns="4f0d45a2-344c-4fe0-9811-4277bf2c2e17">
+      <Terms xmlns="http://schemas.microsoft.com/office/infopath/2007/PartnerControls"/>
+    </lcf76f155ced4ddcb4097134ff3c332f>
+  </documentManagement>
+</p:properties>
+</file>
+
 <file path=customXml/item3.xml><?xml version="1.0" encoding="utf-8"?>
 <?mso-contentType ?>
 <FormTemplates xmlns="http://schemas.microsoft.com/sharepoint/v3/contenttype/forms">
@@ -16350,20 +16289,6 @@
 </file>
 
 <file path=customXml/itemProps1.xml><?xml version="1.0" encoding="utf-8"?>
-<ds:datastoreItem xmlns:ds="http://schemas.openxmlformats.org/officeDocument/2006/customXml" ds:itemID="{61D9A46C-D3F3-4D45-B248-B831C6B5FC85}">
-  <ds:schemaRefs>
-    <ds:schemaRef ds:uri="http://schemas.microsoft.com/office/2006/metadata/properties"/>
-    <ds:schemaRef ds:uri="http://schemas.microsoft.com/office/infopath/2007/PartnerControls"/>
-    <ds:schemaRef ds:uri="http://schemas.microsoft.com/sharepoint/v3"/>
-    <ds:schemaRef ds:uri="71af3243-3dd4-4a8d-8c0d-dd76da1f02a5"/>
-    <ds:schemaRef ds:uri="230e9df3-be65-4c73-a93b-d1236ebd677e"/>
-    <ds:schemaRef ds:uri="bb13cd20-357b-48a5-aff4-3bb4b52aae3e"/>
-    <ds:schemaRef ds:uri="4f0d45a2-344c-4fe0-9811-4277bf2c2e17"/>
-  </ds:schemaRefs>
-</ds:datastoreItem>
-</file>
-
-<file path=customXml/itemProps2.xml><?xml version="1.0" encoding="utf-8"?>
 <ds:datastoreItem xmlns:ds="http://schemas.openxmlformats.org/officeDocument/2006/customXml" ds:itemID="{0D8FFB1B-121F-42B3-9505-C362C55450D6}">
   <ds:schemaRefs>
     <ds:schemaRef ds:uri="http://schemas.microsoft.com/office/2006/metadata/contentType"/>
@@ -16382,6 +16307,20 @@
 </ds:datastoreItem>
 </file>
 
+<file path=customXml/itemProps2.xml><?xml version="1.0" encoding="utf-8"?>
+<ds:datastoreItem xmlns:ds="http://schemas.openxmlformats.org/officeDocument/2006/customXml" ds:itemID="{61D9A46C-D3F3-4D45-B248-B831C6B5FC85}">
+  <ds:schemaRefs>
+    <ds:schemaRef ds:uri="http://schemas.microsoft.com/office/2006/metadata/properties"/>
+    <ds:schemaRef ds:uri="http://schemas.microsoft.com/office/infopath/2007/PartnerControls"/>
+    <ds:schemaRef ds:uri="http://schemas.microsoft.com/sharepoint/v3"/>
+    <ds:schemaRef ds:uri="71af3243-3dd4-4a8d-8c0d-dd76da1f02a5"/>
+    <ds:schemaRef ds:uri="230e9df3-be65-4c73-a93b-d1236ebd677e"/>
+    <ds:schemaRef ds:uri="bb13cd20-357b-48a5-aff4-3bb4b52aae3e"/>
+    <ds:schemaRef ds:uri="4f0d45a2-344c-4fe0-9811-4277bf2c2e17"/>
+  </ds:schemaRefs>
+</ds:datastoreItem>
+</file>
+
 <file path=customXml/itemProps3.xml><?xml version="1.0" encoding="utf-8"?>
 <ds:datastoreItem xmlns:ds="http://schemas.openxmlformats.org/officeDocument/2006/customXml" ds:itemID="{5FA78568-A730-4D3B-A489-FD854E91254A}">
   <ds:schemaRefs>
